--- a/docs/Wireframes.pptx
+++ b/docs/Wireframes.pptx
@@ -201,7 +201,7 @@
           <a:p>
             <a:fld id="{39937DC4-3220-0C46-BC8A-AD7A0B7C5185}" type="datetimeFigureOut">
               <a:rPr lang="en-US" smtClean="0"/>
-              <a:t>9/30/17</a:t>
+              <a:t>10/17/17</a:t>
             </a:fld>
             <a:endParaRPr lang="en-US"/>
           </a:p>
@@ -600,7 +600,7 @@
           <a:p>
             <a:fld id="{A20A93F4-64BA-FF48-A330-18F728D3F36B}" type="datetimeFigureOut">
               <a:rPr lang="en-US" smtClean="0"/>
-              <a:t>9/30/17</a:t>
+              <a:t>10/17/17</a:t>
             </a:fld>
             <a:endParaRPr lang="en-US"/>
           </a:p>
@@ -770,7 +770,7 @@
           <a:p>
             <a:fld id="{A20A93F4-64BA-FF48-A330-18F728D3F36B}" type="datetimeFigureOut">
               <a:rPr lang="en-US" smtClean="0"/>
-              <a:t>9/30/17</a:t>
+              <a:t>10/17/17</a:t>
             </a:fld>
             <a:endParaRPr lang="en-US"/>
           </a:p>
@@ -950,7 +950,7 @@
           <a:p>
             <a:fld id="{A20A93F4-64BA-FF48-A330-18F728D3F36B}" type="datetimeFigureOut">
               <a:rPr lang="en-US" smtClean="0"/>
-              <a:t>9/30/17</a:t>
+              <a:t>10/17/17</a:t>
             </a:fld>
             <a:endParaRPr lang="en-US"/>
           </a:p>
@@ -1120,7 +1120,7 @@
           <a:p>
             <a:fld id="{A20A93F4-64BA-FF48-A330-18F728D3F36B}" type="datetimeFigureOut">
               <a:rPr lang="en-US" smtClean="0"/>
-              <a:t>9/30/17</a:t>
+              <a:t>10/17/17</a:t>
             </a:fld>
             <a:endParaRPr lang="en-US"/>
           </a:p>
@@ -1366,7 +1366,7 @@
           <a:p>
             <a:fld id="{A20A93F4-64BA-FF48-A330-18F728D3F36B}" type="datetimeFigureOut">
               <a:rPr lang="en-US" smtClean="0"/>
-              <a:t>9/30/17</a:t>
+              <a:t>10/17/17</a:t>
             </a:fld>
             <a:endParaRPr lang="en-US"/>
           </a:p>
@@ -1598,7 +1598,7 @@
           <a:p>
             <a:fld id="{A20A93F4-64BA-FF48-A330-18F728D3F36B}" type="datetimeFigureOut">
               <a:rPr lang="en-US" smtClean="0"/>
-              <a:t>9/30/17</a:t>
+              <a:t>10/17/17</a:t>
             </a:fld>
             <a:endParaRPr lang="en-US"/>
           </a:p>
@@ -1965,7 +1965,7 @@
           <a:p>
             <a:fld id="{A20A93F4-64BA-FF48-A330-18F728D3F36B}" type="datetimeFigureOut">
               <a:rPr lang="en-US" smtClean="0"/>
-              <a:t>9/30/17</a:t>
+              <a:t>10/17/17</a:t>
             </a:fld>
             <a:endParaRPr lang="en-US"/>
           </a:p>
@@ -2083,7 +2083,7 @@
           <a:p>
             <a:fld id="{A20A93F4-64BA-FF48-A330-18F728D3F36B}" type="datetimeFigureOut">
               <a:rPr lang="en-US" smtClean="0"/>
-              <a:t>9/30/17</a:t>
+              <a:t>10/17/17</a:t>
             </a:fld>
             <a:endParaRPr lang="en-US"/>
           </a:p>
@@ -2178,7 +2178,7 @@
           <a:p>
             <a:fld id="{A20A93F4-64BA-FF48-A330-18F728D3F36B}" type="datetimeFigureOut">
               <a:rPr lang="en-US" smtClean="0"/>
-              <a:t>9/30/17</a:t>
+              <a:t>10/17/17</a:t>
             </a:fld>
             <a:endParaRPr lang="en-US"/>
           </a:p>
@@ -2455,7 +2455,7 @@
           <a:p>
             <a:fld id="{A20A93F4-64BA-FF48-A330-18F728D3F36B}" type="datetimeFigureOut">
               <a:rPr lang="en-US" smtClean="0"/>
-              <a:t>9/30/17</a:t>
+              <a:t>10/17/17</a:t>
             </a:fld>
             <a:endParaRPr lang="en-US"/>
           </a:p>
@@ -2708,7 +2708,7 @@
           <a:p>
             <a:fld id="{A20A93F4-64BA-FF48-A330-18F728D3F36B}" type="datetimeFigureOut">
               <a:rPr lang="en-US" smtClean="0"/>
-              <a:t>9/30/17</a:t>
+              <a:t>10/17/17</a:t>
             </a:fld>
             <a:endParaRPr lang="en-US"/>
           </a:p>
@@ -2921,7 +2921,7 @@
           <a:p>
             <a:fld id="{A20A93F4-64BA-FF48-A330-18F728D3F36B}" type="datetimeFigureOut">
               <a:rPr lang="en-US" smtClean="0"/>
-              <a:t>9/30/17</a:t>
+              <a:t>10/17/17</a:t>
             </a:fld>
             <a:endParaRPr lang="en-US"/>
           </a:p>
@@ -3335,9 +3335,9 @@
         <p:grpSpPr>
           <a:xfrm>
             <a:off x="2186609" y="251209"/>
-            <a:ext cx="7924801" cy="5991143"/>
+            <a:ext cx="7924800" cy="6002236"/>
             <a:chOff x="2186609" y="251209"/>
-            <a:chExt cx="7924801" cy="5991143"/>
+            <a:chExt cx="7924800" cy="6002236"/>
           </a:xfrm>
         </p:grpSpPr>
         <p:sp>
@@ -3637,7 +3637,7 @@
           </p:blipFill>
           <p:spPr>
             <a:xfrm>
-              <a:off x="2186610" y="1336092"/>
+              <a:off x="2186609" y="1347186"/>
               <a:ext cx="7924800" cy="4906259"/>
             </a:xfrm>
             <a:prstGeom prst="rect">
